--- a/TMOOC/智能硬件/001-智能血压计/V1.0/05-STM32F407 的存储器模型/PPT/05-STM32F407 的存储器模型.pptx
+++ b/TMOOC/智能硬件/001-智能血压计/V1.0/05-STM32F407 的存储器模型/PPT/05-STM32F407 的存储器模型.pptx
@@ -211,7 +211,7 @@
           <a:p>
             <a:fld id="{8B9FE496-E84D-443D-9DF7-86BB38F9345C}" type="datetimeFigureOut">
               <a:rPr lang="zh-CN" altLang="en-US" smtClean="0"/>
-              <a:t>2015/9/8</a:t>
+              <a:t>2015/9/10</a:t>
             </a:fld>
             <a:endParaRPr lang="zh-CN" altLang="en-US"/>
           </a:p>
@@ -1221,7 +1221,7 @@
           <a:p>
             <a:fld id="{82A0A6CE-0ADA-4A38-B664-5BC57754ADD0}" type="datetimeFigureOut">
               <a:rPr lang="zh-CN" altLang="en-US" smtClean="0"/>
-              <a:t>2015/9/8</a:t>
+              <a:t>2015/9/10</a:t>
             </a:fld>
             <a:endParaRPr lang="zh-CN" altLang="en-US"/>
           </a:p>
@@ -1444,7 +1444,7 @@
             <a:fld id="{82A0A6CE-0ADA-4A38-B664-5BC57754ADD0}" type="datetimeFigureOut">
               <a:rPr lang="zh-CN" altLang="en-US" smtClean="0"/>
               <a:pPr/>
-              <a:t>2015/9/8</a:t>
+              <a:t>2015/9/10</a:t>
             </a:fld>
             <a:endParaRPr lang="zh-CN" altLang="en-US"/>
           </a:p>
@@ -1682,7 +1682,7 @@
             <a:fld id="{82A0A6CE-0ADA-4A38-B664-5BC57754ADD0}" type="datetimeFigureOut">
               <a:rPr lang="zh-CN" altLang="en-US" smtClean="0"/>
               <a:pPr/>
-              <a:t>2015/9/8</a:t>
+              <a:t>2015/9/10</a:t>
             </a:fld>
             <a:endParaRPr lang="zh-CN" altLang="en-US"/>
           </a:p>
@@ -2041,7 +2041,7 @@
             <a:fld id="{82A0A6CE-0ADA-4A38-B664-5BC57754ADD0}" type="datetimeFigureOut">
               <a:rPr lang="zh-CN" altLang="en-US" smtClean="0"/>
               <a:pPr/>
-              <a:t>2015/9/8</a:t>
+              <a:t>2015/9/10</a:t>
             </a:fld>
             <a:endParaRPr lang="zh-CN" altLang="en-US"/>
           </a:p>
@@ -2279,7 +2279,7 @@
             <a:fld id="{82A0A6CE-0ADA-4A38-B664-5BC57754ADD0}" type="datetimeFigureOut">
               <a:rPr lang="zh-CN" altLang="en-US" smtClean="0"/>
               <a:pPr/>
-              <a:t>2015/9/8</a:t>
+              <a:t>2015/9/10</a:t>
             </a:fld>
             <a:endParaRPr lang="zh-CN" altLang="en-US"/>
           </a:p>
